--- a/slides/7 plugins.pptx
+++ b/slides/7 plugins.pptx
@@ -16,7 +16,6 @@
     <p:sldId id="283" r:id="rId10"/>
     <p:sldId id="281" r:id="rId11"/>
     <p:sldId id="273" r:id="rId12"/>
-    <p:sldId id="282" r:id="rId13"/>
   </p:sldIdLst>
   <p:sldSz cx="9144000" cy="6858000" type="screen4x3"/>
   <p:notesSz cx="6858000" cy="9144000"/>
@@ -299,7 +298,7 @@
           <a:p>
             <a:fld id="{96C8091D-939D-4326-A7BC-8F5F854801A3}" type="datetimeFigureOut">
               <a:rPr lang="pt-BR" smtClean="0"/>
-              <a:t>08/02/2017</a:t>
+              <a:t>14/02/2017</a:t>
             </a:fld>
             <a:endParaRPr lang="pt-BR"/>
           </a:p>
@@ -469,7 +468,7 @@
           <a:p>
             <a:fld id="{96C8091D-939D-4326-A7BC-8F5F854801A3}" type="datetimeFigureOut">
               <a:rPr lang="pt-BR" smtClean="0"/>
-              <a:t>08/02/2017</a:t>
+              <a:t>14/02/2017</a:t>
             </a:fld>
             <a:endParaRPr lang="pt-BR"/>
           </a:p>
@@ -649,7 +648,7 @@
           <a:p>
             <a:fld id="{96C8091D-939D-4326-A7BC-8F5F854801A3}" type="datetimeFigureOut">
               <a:rPr lang="pt-BR" smtClean="0"/>
-              <a:t>08/02/2017</a:t>
+              <a:t>14/02/2017</a:t>
             </a:fld>
             <a:endParaRPr lang="pt-BR"/>
           </a:p>
@@ -819,7 +818,7 @@
           <a:p>
             <a:fld id="{96C8091D-939D-4326-A7BC-8F5F854801A3}" type="datetimeFigureOut">
               <a:rPr lang="pt-BR" smtClean="0"/>
-              <a:t>08/02/2017</a:t>
+              <a:t>14/02/2017</a:t>
             </a:fld>
             <a:endParaRPr lang="pt-BR"/>
           </a:p>
@@ -1065,7 +1064,7 @@
           <a:p>
             <a:fld id="{96C8091D-939D-4326-A7BC-8F5F854801A3}" type="datetimeFigureOut">
               <a:rPr lang="pt-BR" smtClean="0"/>
-              <a:t>08/02/2017</a:t>
+              <a:t>14/02/2017</a:t>
             </a:fld>
             <a:endParaRPr lang="pt-BR"/>
           </a:p>
@@ -1353,7 +1352,7 @@
           <a:p>
             <a:fld id="{96C8091D-939D-4326-A7BC-8F5F854801A3}" type="datetimeFigureOut">
               <a:rPr lang="pt-BR" smtClean="0"/>
-              <a:t>08/02/2017</a:t>
+              <a:t>14/02/2017</a:t>
             </a:fld>
             <a:endParaRPr lang="pt-BR"/>
           </a:p>
@@ -1775,7 +1774,7 @@
           <a:p>
             <a:fld id="{96C8091D-939D-4326-A7BC-8F5F854801A3}" type="datetimeFigureOut">
               <a:rPr lang="pt-BR" smtClean="0"/>
-              <a:t>08/02/2017</a:t>
+              <a:t>14/02/2017</a:t>
             </a:fld>
             <a:endParaRPr lang="pt-BR"/>
           </a:p>
@@ -1893,7 +1892,7 @@
           <a:p>
             <a:fld id="{96C8091D-939D-4326-A7BC-8F5F854801A3}" type="datetimeFigureOut">
               <a:rPr lang="pt-BR" smtClean="0"/>
-              <a:t>08/02/2017</a:t>
+              <a:t>14/02/2017</a:t>
             </a:fld>
             <a:endParaRPr lang="pt-BR"/>
           </a:p>
@@ -1988,7 +1987,7 @@
           <a:p>
             <a:fld id="{96C8091D-939D-4326-A7BC-8F5F854801A3}" type="datetimeFigureOut">
               <a:rPr lang="pt-BR" smtClean="0"/>
-              <a:t>08/02/2017</a:t>
+              <a:t>14/02/2017</a:t>
             </a:fld>
             <a:endParaRPr lang="pt-BR"/>
           </a:p>
@@ -2265,7 +2264,7 @@
           <a:p>
             <a:fld id="{96C8091D-939D-4326-A7BC-8F5F854801A3}" type="datetimeFigureOut">
               <a:rPr lang="pt-BR" smtClean="0"/>
-              <a:t>08/02/2017</a:t>
+              <a:t>14/02/2017</a:t>
             </a:fld>
             <a:endParaRPr lang="pt-BR"/>
           </a:p>
@@ -2518,7 +2517,7 @@
           <a:p>
             <a:fld id="{96C8091D-939D-4326-A7BC-8F5F854801A3}" type="datetimeFigureOut">
               <a:rPr lang="pt-BR" smtClean="0"/>
-              <a:t>08/02/2017</a:t>
+              <a:t>14/02/2017</a:t>
             </a:fld>
             <a:endParaRPr lang="pt-BR"/>
           </a:p>
@@ -2731,7 +2730,7 @@
           <a:p>
             <a:fld id="{96C8091D-939D-4326-A7BC-8F5F854801A3}" type="datetimeFigureOut">
               <a:rPr lang="pt-BR" smtClean="0"/>
-              <a:t>08/02/2017</a:t>
+              <a:t>14/02/2017</a:t>
             </a:fld>
             <a:endParaRPr lang="pt-BR"/>
           </a:p>
@@ -3161,7 +3160,6 @@
               <a:rPr lang="pt-BR" dirty="0" smtClean="0"/>
               <a:t>Forma de expandir as funcionalidades do aplicativo</a:t>
             </a:r>
-            <a:endParaRPr lang="pt-BR" dirty="0" smtClean="0"/>
           </a:p>
           <a:p>
             <a:r>
@@ -3359,161 +3357,6 @@
 </p:sld>
 </file>
 
-<file path=ppt/slides/slide12.xml><?xml version="1.0" encoding="utf-8"?>
-<p:sld xmlns:a="http://schemas.openxmlformats.org/drawingml/2006/main" xmlns:r="http://schemas.openxmlformats.org/officeDocument/2006/relationships" xmlns:p="http://schemas.openxmlformats.org/presentationml/2006/main">
-  <p:cSld>
-    <p:spTree>
-      <p:nvGrpSpPr>
-        <p:cNvPr id="1" name=""/>
-        <p:cNvGrpSpPr/>
-        <p:nvPr/>
-      </p:nvGrpSpPr>
-      <p:grpSpPr>
-        <a:xfrm>
-          <a:off x="0" y="0"/>
-          <a:ext cx="0" cy="0"/>
-          <a:chOff x="0" y="0"/>
-          <a:chExt cx="0" cy="0"/>
-        </a:xfrm>
-      </p:grpSpPr>
-      <p:sp>
-        <p:nvSpPr>
-          <p:cNvPr id="2" name="Title 1"/>
-          <p:cNvSpPr>
-            <a:spLocks noGrp="1"/>
-          </p:cNvSpPr>
-          <p:nvPr>
-            <p:ph type="title"/>
-          </p:nvPr>
-        </p:nvSpPr>
-        <p:spPr/>
-        <p:txBody>
-          <a:bodyPr/>
-          <a:lstStyle/>
-          <a:p>
-            <a:r>
-              <a:rPr lang="pt-BR" dirty="0" smtClean="0"/>
-              <a:t>Exemplo de plugins</a:t>
-            </a:r>
-            <a:endParaRPr lang="pt-BR" dirty="0"/>
-          </a:p>
-        </p:txBody>
-      </p:sp>
-      <p:sp>
-        <p:nvSpPr>
-          <p:cNvPr id="3" name="Content Placeholder 2"/>
-          <p:cNvSpPr>
-            <a:spLocks noGrp="1"/>
-          </p:cNvSpPr>
-          <p:nvPr>
-            <p:ph idx="1"/>
-          </p:nvPr>
-        </p:nvSpPr>
-        <p:spPr/>
-        <p:txBody>
-          <a:bodyPr>
-            <a:normAutofit lnSpcReduction="10000"/>
-          </a:bodyPr>
-          <a:lstStyle/>
-          <a:p>
-            <a:r>
-              <a:rPr lang="pt-BR" dirty="0" smtClean="0"/>
-              <a:t>[Embutido] Bíblia</a:t>
-            </a:r>
-          </a:p>
-          <a:p>
-            <a:r>
-              <a:rPr lang="pt-BR" dirty="0" smtClean="0"/>
-              <a:t>[Embutido] Liturgia Diária</a:t>
-            </a:r>
-          </a:p>
-          <a:p>
-            <a:r>
-              <a:rPr lang="pt-BR" dirty="0"/>
-              <a:t>[Embutido</a:t>
-            </a:r>
-            <a:r>
-              <a:rPr lang="pt-BR" dirty="0" smtClean="0"/>
-              <a:t>] Santo do Dia</a:t>
-            </a:r>
-          </a:p>
-          <a:p>
-            <a:r>
-              <a:rPr lang="pt-BR" b="1" dirty="0" smtClean="0"/>
-              <a:t>[Online] Guia Digital</a:t>
-            </a:r>
-          </a:p>
-          <a:p>
-            <a:r>
-              <a:rPr lang="pt-BR" dirty="0"/>
-              <a:t>[Online</a:t>
-            </a:r>
-            <a:r>
-              <a:rPr lang="pt-BR" dirty="0" smtClean="0"/>
-              <a:t>] Homilia Diária</a:t>
-            </a:r>
-          </a:p>
-          <a:p>
-            <a:r>
-              <a:rPr lang="pt-BR" dirty="0"/>
-              <a:t>[Online] </a:t>
-            </a:r>
-            <a:r>
-              <a:rPr lang="pt-BR" dirty="0" smtClean="0"/>
-              <a:t>Mensagens de Nossa Senhora</a:t>
-            </a:r>
-          </a:p>
-          <a:p>
-            <a:r>
-              <a:rPr lang="pt-BR" dirty="0"/>
-              <a:t>[Online] </a:t>
-            </a:r>
-            <a:r>
-              <a:rPr lang="pt-BR" dirty="0" smtClean="0"/>
-              <a:t>Lista de PodCast (RadioAmérica)</a:t>
-            </a:r>
-          </a:p>
-          <a:p>
-            <a:r>
-              <a:rPr lang="pt-BR" b="1" dirty="0" smtClean="0"/>
-              <a:t>[Online] Repertórios</a:t>
-            </a:r>
-            <a:endParaRPr lang="pt-BR" b="1" dirty="0"/>
-          </a:p>
-          <a:p>
-            <a:endParaRPr lang="pt-BR" dirty="0" smtClean="0"/>
-          </a:p>
-          <a:p>
-            <a:endParaRPr lang="pt-BR" dirty="0"/>
-          </a:p>
-          <a:p>
-            <a:endParaRPr lang="pt-BR" dirty="0" smtClean="0"/>
-          </a:p>
-          <a:p>
-            <a:endParaRPr lang="pt-BR" dirty="0" smtClean="0"/>
-          </a:p>
-        </p:txBody>
-      </p:sp>
-    </p:spTree>
-    <p:extLst>
-      <p:ext uri="{BB962C8B-B14F-4D97-AF65-F5344CB8AC3E}">
-        <p14:creationId xmlns:p14="http://schemas.microsoft.com/office/powerpoint/2010/main" val="3893740156"/>
-      </p:ext>
-    </p:extLst>
-  </p:cSld>
-  <p:clrMapOvr>
-    <a:masterClrMapping/>
-  </p:clrMapOvr>
-  <p:timing>
-    <p:tnLst>
-      <p:par>
-        <p:cTn id="1" dur="indefinite" restart="never" nodeType="tmRoot"/>
-      </p:par>
-    </p:tnLst>
-  </p:timing>
-</p:sld>
-</file>
-
 <file path=ppt/slides/slide2.xml><?xml version="1.0" encoding="utf-8"?>
 <p:sld xmlns:a="http://schemas.openxmlformats.org/drawingml/2006/main" xmlns:r="http://schemas.openxmlformats.org/officeDocument/2006/relationships" xmlns:p="http://schemas.openxmlformats.org/presentationml/2006/main">
   <p:cSld>
@@ -3581,7 +3424,6 @@
               <a:rPr lang="pt-BR" dirty="0" smtClean="0"/>
               <a:t>Para utiliza-lo é necessário instala-lo e realizar uma publicação online. </a:t>
             </a:r>
-            <a:endParaRPr lang="pt-BR" dirty="0" smtClean="0"/>
           </a:p>
           <a:p>
             <a:endParaRPr lang="pt-BR" dirty="0"/>
@@ -4559,11 +4401,7 @@
             <a:pPr algn="ctr"/>
             <a:r>
               <a:rPr lang="pt-BR" dirty="0" smtClean="0"/>
-              <a:t>Online </a:t>
-            </a:r>
-            <a:r>
-              <a:rPr lang="pt-BR" dirty="0" smtClean="0"/>
-              <a:t>2</a:t>
+              <a:t>Online 2</a:t>
             </a:r>
           </a:p>
           <a:p>
@@ -5224,11 +5062,7 @@
             <a:pPr algn="ctr"/>
             <a:r>
               <a:rPr lang="pt-BR" dirty="0" smtClean="0"/>
-              <a:t>Online </a:t>
-            </a:r>
-            <a:r>
-              <a:rPr lang="pt-BR" dirty="0" smtClean="0"/>
-              <a:t>1</a:t>
+              <a:t>Online 1</a:t>
             </a:r>
           </a:p>
           <a:p>
@@ -5287,11 +5121,7 @@
             <a:pPr algn="ctr"/>
             <a:r>
               <a:rPr lang="pt-BR" dirty="0" smtClean="0"/>
-              <a:t>Online </a:t>
-            </a:r>
-            <a:r>
-              <a:rPr lang="pt-BR" dirty="0" smtClean="0"/>
-              <a:t>2</a:t>
+              <a:t>Online 2</a:t>
             </a:r>
           </a:p>
           <a:p>
@@ -5514,29 +5344,18 @@
               <a:rPr lang="pt-BR" dirty="0" smtClean="0"/>
               <a:t>Geralmente associado a quantidade de dados necessários para realizar essa atualização</a:t>
             </a:r>
-            <a:endParaRPr lang="pt-BR" dirty="0" smtClean="0"/>
           </a:p>
           <a:p>
             <a:r>
               <a:rPr lang="pt-BR" dirty="0" smtClean="0"/>
               <a:t>Para utiliza-lo é necessário instala-lo e refazer o processo de criação do APK</a:t>
             </a:r>
-            <a:endParaRPr lang="pt-BR" dirty="0" smtClean="0"/>
           </a:p>
           <a:p>
             <a:r>
               <a:rPr lang="pt-BR" dirty="0" smtClean="0"/>
-              <a:t>Ao final é necessário fazer </a:t>
-            </a:r>
-            <a:r>
-              <a:rPr lang="pt-BR" dirty="0" smtClean="0"/>
-              <a:t>upload para a loja do </a:t>
-            </a:r>
-            <a:r>
-              <a:rPr lang="pt-BR" dirty="0" smtClean="0"/>
-              <a:t>Google Play</a:t>
-            </a:r>
-            <a:endParaRPr lang="pt-BR" dirty="0" smtClean="0"/>
+              <a:t>Ao final é necessário fazer upload para a loja do Google Play</a:t>
+            </a:r>
           </a:p>
           <a:p>
             <a:pPr lvl="1"/>
@@ -5546,13 +5365,8 @@
             </a:r>
             <a:r>
               <a:rPr lang="pt-BR" dirty="0" smtClean="0"/>
-              <a:t>ó depois da atualização: enviar conteúdo que usa o pacote </a:t>
-            </a:r>
-            <a:r>
-              <a:rPr lang="pt-BR" dirty="0" smtClean="0"/>
-              <a:t>embutido</a:t>
-            </a:r>
-            <a:endParaRPr lang="pt-BR" dirty="0" smtClean="0"/>
+              <a:t>ó depois da atualização: enviar conteúdo que usa o pacote embutido</a:t>
+            </a:r>
           </a:p>
         </p:txBody>
       </p:sp>
@@ -7701,11 +7515,7 @@
             <a:pPr algn="ctr"/>
             <a:r>
               <a:rPr lang="pt-BR" dirty="0" smtClean="0"/>
-              <a:t>Online </a:t>
-            </a:r>
-            <a:r>
-              <a:rPr lang="pt-BR" dirty="0" smtClean="0"/>
-              <a:t>2</a:t>
+              <a:t>Online 2</a:t>
             </a:r>
           </a:p>
           <a:p>
@@ -8366,11 +8176,7 @@
             <a:pPr algn="ctr"/>
             <a:r>
               <a:rPr lang="pt-BR" dirty="0" smtClean="0"/>
-              <a:t>Online </a:t>
-            </a:r>
-            <a:r>
-              <a:rPr lang="pt-BR" dirty="0" smtClean="0"/>
-              <a:t>1</a:t>
+              <a:t>Online 1</a:t>
             </a:r>
           </a:p>
           <a:p>
@@ -8429,11 +8235,7 @@
             <a:pPr algn="ctr"/>
             <a:r>
               <a:rPr lang="pt-BR" dirty="0" smtClean="0"/>
-              <a:t>Online </a:t>
-            </a:r>
-            <a:r>
-              <a:rPr lang="pt-BR" dirty="0" smtClean="0"/>
-              <a:t>2</a:t>
+              <a:t>Online 2</a:t>
             </a:r>
           </a:p>
           <a:p>
@@ -8648,11 +8450,7 @@
             <a:pPr algn="ctr"/>
             <a:r>
               <a:rPr lang="pt-BR" dirty="0" smtClean="0"/>
-              <a:t>Online </a:t>
-            </a:r>
-            <a:r>
-              <a:rPr lang="pt-BR" dirty="0" smtClean="0"/>
-              <a:t>2</a:t>
+              <a:t>Online 2</a:t>
             </a:r>
           </a:p>
           <a:p>
@@ -9324,11 +9122,7 @@
             <a:pPr algn="ctr"/>
             <a:r>
               <a:rPr lang="pt-BR" dirty="0" smtClean="0"/>
-              <a:t>Online </a:t>
-            </a:r>
-            <a:r>
-              <a:rPr lang="pt-BR" dirty="0" smtClean="0"/>
-              <a:t>1</a:t>
+              <a:t>Online 1</a:t>
             </a:r>
           </a:p>
           <a:p>
@@ -9387,11 +9181,7 @@
             <a:pPr algn="ctr"/>
             <a:r>
               <a:rPr lang="pt-BR" dirty="0" smtClean="0"/>
-              <a:t>Online </a:t>
-            </a:r>
-            <a:r>
-              <a:rPr lang="pt-BR" dirty="0" smtClean="0"/>
-              <a:t>2</a:t>
+              <a:t>Online 2</a:t>
             </a:r>
           </a:p>
           <a:p>
